--- a/Diagrams/SalaryProbabilistic.pptx
+++ b/Diagrams/SalaryProbabilistic.pptx
@@ -104,6 +104,11 @@
       </a:defRPr>
     </a:lvl9pPr>
   </p:defaultTextStyle>
+  <p:extLst>
+    <p:ext uri="{EFAFB233-063F-42B5-8137-9DF3F51BA10A}">
+      <p15:sldGuideLst xmlns:p15="http://schemas.microsoft.com/office/powerpoint/2012/main"/>
+    </p:ext>
+  </p:extLst>
 </p:presentation>
 </file>
 
@@ -254,7 +259,7 @@
           <a:p>
             <a:fld id="{E3E2F534-A397-4DDA-823E-FE08DB45E35F}" type="datetimeFigureOut">
               <a:rPr lang="en-US" smtClean="0"/>
-              <a:t>3/22/2023</a:t>
+              <a:t>3/26/2023</a:t>
             </a:fld>
             <a:endParaRPr lang="en-US"/>
           </a:p>
@@ -308,7 +313,7 @@
           <a:p>
             <a:fld id="{6B57015F-9F9D-4645-942A-AF2A8946C3EA}" type="slidenum">
               <a:rPr lang="en-US" smtClean="0"/>
-              <a:t>‹#›</a:t>
+              <a:t>‹Nº›</a:t>
             </a:fld>
             <a:endParaRPr lang="en-US"/>
           </a:p>
@@ -452,7 +457,7 @@
           <a:p>
             <a:fld id="{E3E2F534-A397-4DDA-823E-FE08DB45E35F}" type="datetimeFigureOut">
               <a:rPr lang="en-US" smtClean="0"/>
-              <a:t>3/22/2023</a:t>
+              <a:t>3/26/2023</a:t>
             </a:fld>
             <a:endParaRPr lang="en-US"/>
           </a:p>
@@ -506,7 +511,7 @@
           <a:p>
             <a:fld id="{6B57015F-9F9D-4645-942A-AF2A8946C3EA}" type="slidenum">
               <a:rPr lang="en-US" smtClean="0"/>
-              <a:t>‹#›</a:t>
+              <a:t>‹Nº›</a:t>
             </a:fld>
             <a:endParaRPr lang="en-US"/>
           </a:p>
@@ -660,7 +665,7 @@
           <a:p>
             <a:fld id="{E3E2F534-A397-4DDA-823E-FE08DB45E35F}" type="datetimeFigureOut">
               <a:rPr lang="en-US" smtClean="0"/>
-              <a:t>3/22/2023</a:t>
+              <a:t>3/26/2023</a:t>
             </a:fld>
             <a:endParaRPr lang="en-US"/>
           </a:p>
@@ -714,7 +719,7 @@
           <a:p>
             <a:fld id="{6B57015F-9F9D-4645-942A-AF2A8946C3EA}" type="slidenum">
               <a:rPr lang="en-US" smtClean="0"/>
-              <a:t>‹#›</a:t>
+              <a:t>‹Nº›</a:t>
             </a:fld>
             <a:endParaRPr lang="en-US"/>
           </a:p>
@@ -858,7 +863,7 @@
           <a:p>
             <a:fld id="{E3E2F534-A397-4DDA-823E-FE08DB45E35F}" type="datetimeFigureOut">
               <a:rPr lang="en-US" smtClean="0"/>
-              <a:t>3/22/2023</a:t>
+              <a:t>3/26/2023</a:t>
             </a:fld>
             <a:endParaRPr lang="en-US"/>
           </a:p>
@@ -912,7 +917,7 @@
           <a:p>
             <a:fld id="{6B57015F-9F9D-4645-942A-AF2A8946C3EA}" type="slidenum">
               <a:rPr lang="en-US" smtClean="0"/>
-              <a:t>‹#›</a:t>
+              <a:t>‹Nº›</a:t>
             </a:fld>
             <a:endParaRPr lang="en-US"/>
           </a:p>
@@ -1133,7 +1138,7 @@
           <a:p>
             <a:fld id="{E3E2F534-A397-4DDA-823E-FE08DB45E35F}" type="datetimeFigureOut">
               <a:rPr lang="en-US" smtClean="0"/>
-              <a:t>3/22/2023</a:t>
+              <a:t>3/26/2023</a:t>
             </a:fld>
             <a:endParaRPr lang="en-US"/>
           </a:p>
@@ -1187,7 +1192,7 @@
           <a:p>
             <a:fld id="{6B57015F-9F9D-4645-942A-AF2A8946C3EA}" type="slidenum">
               <a:rPr lang="en-US" smtClean="0"/>
-              <a:t>‹#›</a:t>
+              <a:t>‹Nº›</a:t>
             </a:fld>
             <a:endParaRPr lang="en-US"/>
           </a:p>
@@ -1398,7 +1403,7 @@
           <a:p>
             <a:fld id="{E3E2F534-A397-4DDA-823E-FE08DB45E35F}" type="datetimeFigureOut">
               <a:rPr lang="en-US" smtClean="0"/>
-              <a:t>3/22/2023</a:t>
+              <a:t>3/26/2023</a:t>
             </a:fld>
             <a:endParaRPr lang="en-US"/>
           </a:p>
@@ -1452,7 +1457,7 @@
           <a:p>
             <a:fld id="{6B57015F-9F9D-4645-942A-AF2A8946C3EA}" type="slidenum">
               <a:rPr lang="en-US" smtClean="0"/>
-              <a:t>‹#›</a:t>
+              <a:t>‹Nº›</a:t>
             </a:fld>
             <a:endParaRPr lang="en-US"/>
           </a:p>
@@ -1810,7 +1815,7 @@
           <a:p>
             <a:fld id="{E3E2F534-A397-4DDA-823E-FE08DB45E35F}" type="datetimeFigureOut">
               <a:rPr lang="en-US" smtClean="0"/>
-              <a:t>3/22/2023</a:t>
+              <a:t>3/26/2023</a:t>
             </a:fld>
             <a:endParaRPr lang="en-US"/>
           </a:p>
@@ -1864,7 +1869,7 @@
           <a:p>
             <a:fld id="{6B57015F-9F9D-4645-942A-AF2A8946C3EA}" type="slidenum">
               <a:rPr lang="en-US" smtClean="0"/>
-              <a:t>‹#›</a:t>
+              <a:t>‹Nº›</a:t>
             </a:fld>
             <a:endParaRPr lang="en-US"/>
           </a:p>
@@ -1951,7 +1956,7 @@
           <a:p>
             <a:fld id="{E3E2F534-A397-4DDA-823E-FE08DB45E35F}" type="datetimeFigureOut">
               <a:rPr lang="en-US" smtClean="0"/>
-              <a:t>3/22/2023</a:t>
+              <a:t>3/26/2023</a:t>
             </a:fld>
             <a:endParaRPr lang="en-US"/>
           </a:p>
@@ -2005,7 +2010,7 @@
           <a:p>
             <a:fld id="{6B57015F-9F9D-4645-942A-AF2A8946C3EA}" type="slidenum">
               <a:rPr lang="en-US" smtClean="0"/>
-              <a:t>‹#›</a:t>
+              <a:t>‹Nº›</a:t>
             </a:fld>
             <a:endParaRPr lang="en-US"/>
           </a:p>
@@ -2064,7 +2069,7 @@
           <a:p>
             <a:fld id="{E3E2F534-A397-4DDA-823E-FE08DB45E35F}" type="datetimeFigureOut">
               <a:rPr lang="en-US" smtClean="0"/>
-              <a:t>3/22/2023</a:t>
+              <a:t>3/26/2023</a:t>
             </a:fld>
             <a:endParaRPr lang="en-US"/>
           </a:p>
@@ -2118,7 +2123,7 @@
           <a:p>
             <a:fld id="{6B57015F-9F9D-4645-942A-AF2A8946C3EA}" type="slidenum">
               <a:rPr lang="en-US" smtClean="0"/>
-              <a:t>‹#›</a:t>
+              <a:t>‹Nº›</a:t>
             </a:fld>
             <a:endParaRPr lang="en-US"/>
           </a:p>
@@ -2375,7 +2380,7 @@
           <a:p>
             <a:fld id="{E3E2F534-A397-4DDA-823E-FE08DB45E35F}" type="datetimeFigureOut">
               <a:rPr lang="en-US" smtClean="0"/>
-              <a:t>3/22/2023</a:t>
+              <a:t>3/26/2023</a:t>
             </a:fld>
             <a:endParaRPr lang="en-US"/>
           </a:p>
@@ -2429,7 +2434,7 @@
           <a:p>
             <a:fld id="{6B57015F-9F9D-4645-942A-AF2A8946C3EA}" type="slidenum">
               <a:rPr lang="en-US" smtClean="0"/>
-              <a:t>‹#›</a:t>
+              <a:t>‹Nº›</a:t>
             </a:fld>
             <a:endParaRPr lang="en-US"/>
           </a:p>
@@ -2663,7 +2668,7 @@
           <a:p>
             <a:fld id="{E3E2F534-A397-4DDA-823E-FE08DB45E35F}" type="datetimeFigureOut">
               <a:rPr lang="en-US" smtClean="0"/>
-              <a:t>3/22/2023</a:t>
+              <a:t>3/26/2023</a:t>
             </a:fld>
             <a:endParaRPr lang="en-US"/>
           </a:p>
@@ -2717,7 +2722,7 @@
           <a:p>
             <a:fld id="{6B57015F-9F9D-4645-942A-AF2A8946C3EA}" type="slidenum">
               <a:rPr lang="en-US" smtClean="0"/>
-              <a:t>‹#›</a:t>
+              <a:t>‹Nº›</a:t>
             </a:fld>
             <a:endParaRPr lang="en-US"/>
           </a:p>
@@ -2904,7 +2909,7 @@
           <a:p>
             <a:fld id="{E3E2F534-A397-4DDA-823E-FE08DB45E35F}" type="datetimeFigureOut">
               <a:rPr lang="en-US" smtClean="0"/>
-              <a:t>3/22/2023</a:t>
+              <a:t>3/26/2023</a:t>
             </a:fld>
             <a:endParaRPr lang="en-US"/>
           </a:p>
@@ -2994,7 +2999,7 @@
           <a:p>
             <a:fld id="{6B57015F-9F9D-4645-942A-AF2A8946C3EA}" type="slidenum">
               <a:rPr lang="en-US" smtClean="0"/>
-              <a:t>‹#›</a:t>
+              <a:t>‹Nº›</a:t>
             </a:fld>
             <a:endParaRPr lang="en-US"/>
           </a:p>
@@ -45934,7 +45939,7 @@
           </p:nvSpPr>
           <p:spPr bwMode="auto">
             <a:xfrm>
-              <a:off x="5330" y="3146"/>
+              <a:off x="4808" y="3278"/>
               <a:ext cx="650" cy="153"/>
             </a:xfrm>
             <a:prstGeom prst="rect">
